--- a/picture/vitrualization/theory/io/io.pptx
+++ b/picture/vitrualization/theory/io/io.pptx
@@ -9154,6 +9154,83 @@
           </a:p>
         </p:txBody>
       </p:sp>
+      <p:sp>
+        <p:nvSpPr>
+          <p:cNvPr id="14" name="文本框 13"/>
+          <p:cNvSpPr txBox="true"/>
+          <p:nvPr/>
+        </p:nvSpPr>
+        <p:spPr>
+          <a:xfrm>
+            <a:off x="2348865" y="492125"/>
+            <a:ext cx="2664460" cy="245110"/>
+          </a:xfrm>
+          <a:prstGeom prst="rect">
+            <a:avLst/>
+          </a:prstGeom>
+          <a:noFill/>
+        </p:spPr>
+        <p:txBody>
+          <a:bodyPr wrap="none" rtlCol="0">
+            <a:spAutoFit/>
+          </a:bodyPr>
+          <a:p>
+            <a:r>
+              <a:rPr lang="" altLang="zh-CN" sz="1000" b="1">
+                <a:solidFill>
+                  <a:srgbClr val="CC0000"/>
+                </a:solidFill>
+              </a:rPr>
+              <a:t>vhost </a:t>
+            </a:r>
+            <a:r>
+              <a:rPr lang="zh-CN" altLang="" sz="1000" b="1">
+                <a:solidFill>
+                  <a:srgbClr val="CC0000"/>
+                </a:solidFill>
+              </a:rPr>
+              <a:t>必然是要存在一个</a:t>
+            </a:r>
+            <a:r>
+              <a:rPr lang="" altLang="zh-CN" sz="1000" b="1">
+                <a:solidFill>
+                  <a:srgbClr val="CC0000"/>
+                </a:solidFill>
+              </a:rPr>
+              <a:t>virtio</a:t>
+            </a:r>
+            <a:r>
+              <a:rPr lang="zh-CN" altLang="" sz="1000" b="1">
+                <a:solidFill>
+                  <a:srgbClr val="CC0000"/>
+                </a:solidFill>
+              </a:rPr>
+              <a:t>设备在</a:t>
+            </a:r>
+            <a:r>
+              <a:rPr lang="" altLang="zh-CN" sz="1000" b="1">
+                <a:solidFill>
+                  <a:srgbClr val="CC0000"/>
+                </a:solidFill>
+              </a:rPr>
+              <a:t>VMM</a:t>
+            </a:r>
+            <a:r>
+              <a:rPr lang="zh-CN" altLang="" sz="1000" b="1">
+                <a:solidFill>
+                  <a:srgbClr val="CC0000"/>
+                </a:solidFill>
+              </a:rPr>
+              <a:t>中</a:t>
+            </a:r>
+            <a:endParaRPr lang="zh-CN" altLang="" sz="1000" b="1">
+              <a:solidFill>
+                <a:srgbClr val="CC0000"/>
+              </a:solidFill>
+            </a:endParaRPr>
+          </a:p>
+        </p:txBody>
+      </p:sp>
     </p:spTree>
   </p:cSld>
   <p:clrMapOvr>
@@ -9937,6 +10014,67 @@
             <a:endParaRPr lang="zh-CN" altLang="en-US" sz="1200" b="1">
               <a:solidFill>
                 <a:srgbClr val="2C3E50"/>
+              </a:solidFill>
+            </a:endParaRPr>
+          </a:p>
+        </p:txBody>
+      </p:sp>
+      <p:sp>
+        <p:nvSpPr>
+          <p:cNvPr id="12" name="文本框 11"/>
+          <p:cNvSpPr txBox="true"/>
+          <p:nvPr/>
+        </p:nvSpPr>
+        <p:spPr>
+          <a:xfrm>
+            <a:off x="7656830" y="1906270"/>
+            <a:ext cx="2620010" cy="275590"/>
+          </a:xfrm>
+          <a:prstGeom prst="rect">
+            <a:avLst/>
+          </a:prstGeom>
+          <a:noFill/>
+        </p:spPr>
+        <p:txBody>
+          <a:bodyPr wrap="none" rtlCol="0">
+            <a:spAutoFit/>
+          </a:bodyPr>
+          <a:p>
+            <a:r>
+              <a:rPr lang="zh-CN" altLang="en-US" sz="1200" b="1">
+                <a:solidFill>
+                  <a:srgbClr val="CC0000"/>
+                </a:solidFill>
+              </a:rPr>
+              <a:t>目前理解</a:t>
+            </a:r>
+            <a:r>
+              <a:rPr lang="en-US" altLang="zh-CN" sz="1200" b="1">
+                <a:solidFill>
+                  <a:srgbClr val="CC0000"/>
+                </a:solidFill>
+              </a:rPr>
+              <a:t>IO</a:t>
+            </a:r>
+            <a:r>
+              <a:rPr lang="zh-CN" altLang="en-US" sz="1200" b="1">
+                <a:solidFill>
+                  <a:srgbClr val="CC0000"/>
+                </a:solidFill>
+              </a:rPr>
+              <a:t>操作还是会产生</a:t>
+            </a:r>
+            <a:r>
+              <a:rPr lang="en-US" altLang="zh-CN" sz="1200" b="1">
+                <a:solidFill>
+                  <a:srgbClr val="CC0000"/>
+                </a:solidFill>
+              </a:rPr>
+              <a:t>VM-Exit</a:t>
+            </a:r>
+            <a:endParaRPr lang="en-US" altLang="zh-CN" sz="1200" b="1">
+              <a:solidFill>
+                <a:srgbClr val="CC0000"/>
               </a:solidFill>
             </a:endParaRPr>
           </a:p>
